--- a/愛心春節頌.pptx
+++ b/愛心春節頌.pptx
@@ -291,7 +291,8 @@
           <a:p>
             <a:fld id="{78CEDD22-5A22-442F-8D15-1AB216611B95}" type="datetimeFigureOut">
               <a:rPr lang="zh-TW" altLang="en-US" smtClean="0"/>
-              <a:t>2018/2/15</a:t>
+              <a:pPr/>
+              <a:t>2019/2/15</a:t>
             </a:fld>
             <a:endParaRPr lang="zh-TW" altLang="en-US"/>
           </a:p>
@@ -333,6 +334,7 @@
           <a:p>
             <a:fld id="{A2FC3155-70EE-494E-83B7-D20A8CE50178}" type="slidenum">
               <a:rPr lang="zh-TW" altLang="en-US" smtClean="0"/>
+              <a:pPr/>
               <a:t>‹#›</a:t>
             </a:fld>
             <a:endParaRPr lang="zh-TW" altLang="en-US"/>
@@ -456,7 +458,8 @@
           <a:p>
             <a:fld id="{78CEDD22-5A22-442F-8D15-1AB216611B95}" type="datetimeFigureOut">
               <a:rPr lang="zh-TW" altLang="en-US" smtClean="0"/>
-              <a:t>2018/2/15</a:t>
+              <a:pPr/>
+              <a:t>2019/2/15</a:t>
             </a:fld>
             <a:endParaRPr lang="zh-TW" altLang="en-US"/>
           </a:p>
@@ -498,6 +501,7 @@
           <a:p>
             <a:fld id="{A2FC3155-70EE-494E-83B7-D20A8CE50178}" type="slidenum">
               <a:rPr lang="zh-TW" altLang="en-US" smtClean="0"/>
+              <a:pPr/>
               <a:t>‹#›</a:t>
             </a:fld>
             <a:endParaRPr lang="zh-TW" altLang="en-US"/>
@@ -631,7 +635,8 @@
           <a:p>
             <a:fld id="{78CEDD22-5A22-442F-8D15-1AB216611B95}" type="datetimeFigureOut">
               <a:rPr lang="zh-TW" altLang="en-US" smtClean="0"/>
-              <a:t>2018/2/15</a:t>
+              <a:pPr/>
+              <a:t>2019/2/15</a:t>
             </a:fld>
             <a:endParaRPr lang="zh-TW" altLang="en-US"/>
           </a:p>
@@ -673,6 +678,7 @@
           <a:p>
             <a:fld id="{A2FC3155-70EE-494E-83B7-D20A8CE50178}" type="slidenum">
               <a:rPr lang="zh-TW" altLang="en-US" smtClean="0"/>
+              <a:pPr/>
               <a:t>‹#›</a:t>
             </a:fld>
             <a:endParaRPr lang="zh-TW" altLang="en-US"/>
@@ -796,7 +802,8 @@
           <a:p>
             <a:fld id="{78CEDD22-5A22-442F-8D15-1AB216611B95}" type="datetimeFigureOut">
               <a:rPr lang="zh-TW" altLang="en-US" smtClean="0"/>
-              <a:t>2018/2/15</a:t>
+              <a:pPr/>
+              <a:t>2019/2/15</a:t>
             </a:fld>
             <a:endParaRPr lang="zh-TW" altLang="en-US"/>
           </a:p>
@@ -838,6 +845,7 @@
           <a:p>
             <a:fld id="{A2FC3155-70EE-494E-83B7-D20A8CE50178}" type="slidenum">
               <a:rPr lang="zh-TW" altLang="en-US" smtClean="0"/>
+              <a:pPr/>
               <a:t>‹#›</a:t>
             </a:fld>
             <a:endParaRPr lang="zh-TW" altLang="en-US"/>
@@ -1037,7 +1045,8 @@
           <a:p>
             <a:fld id="{78CEDD22-5A22-442F-8D15-1AB216611B95}" type="datetimeFigureOut">
               <a:rPr lang="zh-TW" altLang="en-US" smtClean="0"/>
-              <a:t>2018/2/15</a:t>
+              <a:pPr/>
+              <a:t>2019/2/15</a:t>
             </a:fld>
             <a:endParaRPr lang="zh-TW" altLang="en-US"/>
           </a:p>
@@ -1079,6 +1088,7 @@
           <a:p>
             <a:fld id="{A2FC3155-70EE-494E-83B7-D20A8CE50178}" type="slidenum">
               <a:rPr lang="zh-TW" altLang="en-US" smtClean="0"/>
+              <a:pPr/>
               <a:t>‹#›</a:t>
             </a:fld>
             <a:endParaRPr lang="zh-TW" altLang="en-US"/>
@@ -1320,7 +1330,8 @@
           <a:p>
             <a:fld id="{78CEDD22-5A22-442F-8D15-1AB216611B95}" type="datetimeFigureOut">
               <a:rPr lang="zh-TW" altLang="en-US" smtClean="0"/>
-              <a:t>2018/2/15</a:t>
+              <a:pPr/>
+              <a:t>2019/2/15</a:t>
             </a:fld>
             <a:endParaRPr lang="zh-TW" altLang="en-US"/>
           </a:p>
@@ -1362,6 +1373,7 @@
           <a:p>
             <a:fld id="{A2FC3155-70EE-494E-83B7-D20A8CE50178}" type="slidenum">
               <a:rPr lang="zh-TW" altLang="en-US" smtClean="0"/>
+              <a:pPr/>
               <a:t>‹#›</a:t>
             </a:fld>
             <a:endParaRPr lang="zh-TW" altLang="en-US"/>
@@ -1737,7 +1749,8 @@
           <a:p>
             <a:fld id="{78CEDD22-5A22-442F-8D15-1AB216611B95}" type="datetimeFigureOut">
               <a:rPr lang="zh-TW" altLang="en-US" smtClean="0"/>
-              <a:t>2018/2/15</a:t>
+              <a:pPr/>
+              <a:t>2019/2/15</a:t>
             </a:fld>
             <a:endParaRPr lang="zh-TW" altLang="en-US"/>
           </a:p>
@@ -1779,6 +1792,7 @@
           <a:p>
             <a:fld id="{A2FC3155-70EE-494E-83B7-D20A8CE50178}" type="slidenum">
               <a:rPr lang="zh-TW" altLang="en-US" smtClean="0"/>
+              <a:pPr/>
               <a:t>‹#›</a:t>
             </a:fld>
             <a:endParaRPr lang="zh-TW" altLang="en-US"/>
@@ -1850,7 +1864,8 @@
           <a:p>
             <a:fld id="{78CEDD22-5A22-442F-8D15-1AB216611B95}" type="datetimeFigureOut">
               <a:rPr lang="zh-TW" altLang="en-US" smtClean="0"/>
-              <a:t>2018/2/15</a:t>
+              <a:pPr/>
+              <a:t>2019/2/15</a:t>
             </a:fld>
             <a:endParaRPr lang="zh-TW" altLang="en-US"/>
           </a:p>
@@ -1892,6 +1907,7 @@
           <a:p>
             <a:fld id="{A2FC3155-70EE-494E-83B7-D20A8CE50178}" type="slidenum">
               <a:rPr lang="zh-TW" altLang="en-US" smtClean="0"/>
+              <a:pPr/>
               <a:t>‹#›</a:t>
             </a:fld>
             <a:endParaRPr lang="zh-TW" altLang="en-US"/>
@@ -1940,7 +1956,8 @@
           <a:p>
             <a:fld id="{78CEDD22-5A22-442F-8D15-1AB216611B95}" type="datetimeFigureOut">
               <a:rPr lang="zh-TW" altLang="en-US" smtClean="0"/>
-              <a:t>2018/2/15</a:t>
+              <a:pPr/>
+              <a:t>2019/2/15</a:t>
             </a:fld>
             <a:endParaRPr lang="zh-TW" altLang="en-US"/>
           </a:p>
@@ -1982,6 +1999,7 @@
           <a:p>
             <a:fld id="{A2FC3155-70EE-494E-83B7-D20A8CE50178}" type="slidenum">
               <a:rPr lang="zh-TW" altLang="en-US" smtClean="0"/>
+              <a:pPr/>
               <a:t>‹#›</a:t>
             </a:fld>
             <a:endParaRPr lang="zh-TW" altLang="en-US"/>
@@ -2212,7 +2230,8 @@
           <a:p>
             <a:fld id="{78CEDD22-5A22-442F-8D15-1AB216611B95}" type="datetimeFigureOut">
               <a:rPr lang="zh-TW" altLang="en-US" smtClean="0"/>
-              <a:t>2018/2/15</a:t>
+              <a:pPr/>
+              <a:t>2019/2/15</a:t>
             </a:fld>
             <a:endParaRPr lang="zh-TW" altLang="en-US"/>
           </a:p>
@@ -2254,6 +2273,7 @@
           <a:p>
             <a:fld id="{A2FC3155-70EE-494E-83B7-D20A8CE50178}" type="slidenum">
               <a:rPr lang="zh-TW" altLang="en-US" smtClean="0"/>
+              <a:pPr/>
               <a:t>‹#›</a:t>
             </a:fld>
             <a:endParaRPr lang="zh-TW" altLang="en-US"/>
@@ -2464,7 +2484,8 @@
           <a:p>
             <a:fld id="{78CEDD22-5A22-442F-8D15-1AB216611B95}" type="datetimeFigureOut">
               <a:rPr lang="zh-TW" altLang="en-US" smtClean="0"/>
-              <a:t>2018/2/15</a:t>
+              <a:pPr/>
+              <a:t>2019/2/15</a:t>
             </a:fld>
             <a:endParaRPr lang="zh-TW" altLang="en-US"/>
           </a:p>
@@ -2506,6 +2527,7 @@
           <a:p>
             <a:fld id="{A2FC3155-70EE-494E-83B7-D20A8CE50178}" type="slidenum">
               <a:rPr lang="zh-TW" altLang="en-US" smtClean="0"/>
+              <a:pPr/>
               <a:t>‹#›</a:t>
             </a:fld>
             <a:endParaRPr lang="zh-TW" altLang="en-US"/>
@@ -2677,7 +2699,8 @@
           <a:p>
             <a:fld id="{78CEDD22-5A22-442F-8D15-1AB216611B95}" type="datetimeFigureOut">
               <a:rPr lang="zh-TW" altLang="en-US" smtClean="0"/>
-              <a:t>2018/2/15</a:t>
+              <a:pPr/>
+              <a:t>2019/2/15</a:t>
             </a:fld>
             <a:endParaRPr lang="zh-TW" altLang="en-US"/>
           </a:p>
@@ -2755,6 +2778,7 @@
           <a:p>
             <a:fld id="{A2FC3155-70EE-494E-83B7-D20A8CE50178}" type="slidenum">
               <a:rPr lang="zh-TW" altLang="en-US" smtClean="0"/>
+              <a:pPr/>
               <a:t>‹#›</a:t>
             </a:fld>
             <a:endParaRPr lang="zh-TW" altLang="en-US"/>
@@ -3085,7 +3109,12 @@
             <p:ph idx="1"/>
           </p:nvPr>
         </p:nvSpPr>
-        <p:spPr/>
+        <p:spPr>
+          <a:xfrm>
+            <a:off x="457200" y="1714488"/>
+            <a:ext cx="8229600" cy="4411675"/>
+          </a:xfrm>
+        </p:spPr>
         <p:txBody>
           <a:bodyPr>
             <a:normAutofit/>
@@ -3138,14 +3167,44 @@
               <a:t>願</a:t>
             </a:r>
             <a:r>
-              <a:rPr lang="zh-TW" altLang="en-US" sz="5400" b="1" dirty="0">
+              <a:rPr lang="zh-TW" altLang="en-US" sz="5400" b="1" dirty="0" smtClean="0">
                 <a:solidFill>
                   <a:srgbClr val="000066"/>
                 </a:solidFill>
                 <a:latin typeface="微軟正黑體" pitchFamily="34" charset="-120"/>
                 <a:ea typeface="微軟正黑體" pitchFamily="34" charset="-120"/>
               </a:rPr>
-              <a:t>將砍聲寄意共慶新</a:t>
+              <a:t>將</a:t>
+            </a:r>
+            <a:r>
+              <a:rPr lang="zh-CN" altLang="en-US" sz="5400" b="1" dirty="0" smtClean="0">
+                <a:solidFill>
+                  <a:srgbClr val="000066"/>
+                </a:solidFill>
+                <a:latin typeface="微軟正黑體" pitchFamily="34" charset="-120"/>
+                <a:ea typeface="微軟正黑體" pitchFamily="34" charset="-120"/>
+              </a:rPr>
+              <a:t>歌</a:t>
+            </a:r>
+            <a:r>
+              <a:rPr lang="zh-TW" altLang="en-US" sz="5400" b="1" dirty="0" smtClean="0">
+                <a:solidFill>
+                  <a:srgbClr val="000066"/>
+                </a:solidFill>
+                <a:latin typeface="微軟正黑體" pitchFamily="34" charset="-120"/>
+                <a:ea typeface="微軟正黑體" pitchFamily="34" charset="-120"/>
+              </a:rPr>
+              <a:t>聲</a:t>
+            </a:r>
+            <a:r>
+              <a:rPr lang="zh-TW" altLang="en-US" sz="5400" b="1" dirty="0">
+                <a:solidFill>
+                  <a:srgbClr val="000066"/>
+                </a:solidFill>
+                <a:latin typeface="微軟正黑體" pitchFamily="34" charset="-120"/>
+                <a:ea typeface="微軟正黑體" pitchFamily="34" charset="-120"/>
+              </a:rPr>
+              <a:t>寄意共慶新</a:t>
             </a:r>
             <a:r>
               <a:rPr lang="zh-TW" altLang="en-US" sz="5400" b="1" dirty="0" smtClean="0">
@@ -3239,6 +3298,13 @@
   <p:clrMapOvr>
     <a:masterClrMapping/>
   </p:clrMapOvr>
+  <p:timing>
+    <p:tnLst>
+      <p:par>
+        <p:cTn id="1" dur="indefinite" restart="never" nodeType="tmRoot"/>
+      </p:par>
+    </p:tnLst>
+  </p:timing>
 </p:sld>
 </file>
 
@@ -3297,7 +3363,12 @@
             <p:ph idx="1"/>
           </p:nvPr>
         </p:nvSpPr>
-        <p:spPr/>
+        <p:spPr>
+          <a:xfrm>
+            <a:off x="428596" y="1857364"/>
+            <a:ext cx="8229600" cy="4525963"/>
+          </a:xfrm>
+        </p:spPr>
         <p:txBody>
           <a:bodyPr>
             <a:normAutofit/>
@@ -3391,6 +3462,13 @@
   <p:clrMapOvr>
     <a:masterClrMapping/>
   </p:clrMapOvr>
+  <p:timing>
+    <p:tnLst>
+      <p:par>
+        <p:cTn id="1" dur="indefinite" restart="never" nodeType="tmRoot"/>
+      </p:par>
+    </p:tnLst>
+  </p:timing>
 </p:sld>
 </file>
 
@@ -3451,8 +3529,8 @@
         </p:nvSpPr>
         <p:spPr>
           <a:xfrm>
-            <a:off x="0" y="1600200"/>
-            <a:ext cx="9144000" cy="4525963"/>
+            <a:off x="0" y="1928802"/>
+            <a:ext cx="9144000" cy="4197361"/>
           </a:xfrm>
         </p:spPr>
         <p:txBody>
@@ -3568,6 +3646,13 @@
   <p:clrMapOvr>
     <a:masterClrMapping/>
   </p:clrMapOvr>
+  <p:timing>
+    <p:tnLst>
+      <p:par>
+        <p:cTn id="1" dur="indefinite" restart="never" nodeType="tmRoot"/>
+      </p:par>
+    </p:tnLst>
+  </p:timing>
 </p:sld>
 </file>
 
@@ -3628,8 +3713,8 @@
         </p:nvSpPr>
         <p:spPr>
           <a:xfrm>
-            <a:off x="0" y="1600200"/>
-            <a:ext cx="9144000" cy="4525963"/>
+            <a:off x="0" y="2357430"/>
+            <a:ext cx="9144000" cy="3768733"/>
           </a:xfrm>
         </p:spPr>
         <p:txBody>
@@ -3703,6 +3788,13 @@
   <p:clrMapOvr>
     <a:masterClrMapping/>
   </p:clrMapOvr>
+  <p:timing>
+    <p:tnLst>
+      <p:par>
+        <p:cTn id="1" dur="indefinite" restart="never" nodeType="tmRoot"/>
+      </p:par>
+    </p:tnLst>
+  </p:timing>
 </p:sld>
 </file>
 

--- a/愛心春節頌.pptx
+++ b/愛心春節頌.pptx
@@ -5,12 +5,17 @@
     <p:sldMasterId id="2147483660" r:id="rId1"/>
   </p:sldMasterIdLst>
   <p:sldIdLst>
-    <p:sldId id="256" r:id="rId2"/>
-    <p:sldId id="257" r:id="rId3"/>
-    <p:sldId id="258" r:id="rId4"/>
-    <p:sldId id="259" r:id="rId5"/>
+    <p:sldId id="260" r:id="rId2"/>
+    <p:sldId id="261" r:id="rId3"/>
+    <p:sldId id="262" r:id="rId4"/>
+    <p:sldId id="263" r:id="rId5"/>
+    <p:sldId id="264" r:id="rId6"/>
+    <p:sldId id="265" r:id="rId7"/>
+    <p:sldId id="266" r:id="rId8"/>
+    <p:sldId id="267" r:id="rId9"/>
+    <p:sldId id="268" r:id="rId10"/>
   </p:sldIdLst>
-  <p:sldSz cx="9144000" cy="6858000" type="screen4x3"/>
+  <p:sldSz cx="12192000" cy="6858000"/>
   <p:notesSz cx="6858000" cy="9144000"/>
   <p:defaultTextStyle>
     <a:defPPr>
@@ -107,6 +112,22 @@
       </a:defRPr>
     </a:lvl9pPr>
   </p:defaultTextStyle>
+  <p:extLst>
+    <p:ext uri="{EFAFB233-063F-42B5-8137-9DF3F51BA10A}">
+      <p15:sldGuideLst xmlns:p15="http://schemas.microsoft.com/office/powerpoint/2012/main">
+        <p15:guide id="1" orient="horz" pos="2160" userDrawn="1">
+          <p15:clr>
+            <a:srgbClr val="A4A3A4"/>
+          </p15:clr>
+        </p15:guide>
+        <p15:guide id="2" pos="3840" userDrawn="1">
+          <p15:clr>
+            <a:srgbClr val="A4A3A4"/>
+          </p15:clr>
+        </p15:guide>
+      </p15:sldGuideLst>
+    </p:ext>
+  </p:extLst>
 </p:presentation>
 </file>
 
@@ -139,8 +160,8 @@
         </p:nvSpPr>
         <p:spPr>
           <a:xfrm>
-            <a:off x="685800" y="2130425"/>
-            <a:ext cx="7772400" cy="1470025"/>
+            <a:off x="914400" y="2130426"/>
+            <a:ext cx="10363200" cy="1470025"/>
           </a:xfrm>
         </p:spPr>
         <p:txBody>
@@ -167,8 +188,8 @@
         </p:nvSpPr>
         <p:spPr>
           <a:xfrm>
-            <a:off x="1371600" y="3886200"/>
-            <a:ext cx="6400800" cy="1752600"/>
+            <a:off x="1828800" y="3886200"/>
+            <a:ext cx="8534400" cy="1752600"/>
           </a:xfrm>
         </p:spPr>
         <p:txBody>
@@ -292,7 +313,7 @@
             <a:fld id="{78CEDD22-5A22-442F-8D15-1AB216611B95}" type="datetimeFigureOut">
               <a:rPr lang="zh-TW" altLang="en-US" smtClean="0"/>
               <a:pPr/>
-              <a:t>2019/2/15</a:t>
+              <a:t>2021/2/20</a:t>
             </a:fld>
             <a:endParaRPr lang="zh-TW" altLang="en-US"/>
           </a:p>
@@ -459,7 +480,7 @@
             <a:fld id="{78CEDD22-5A22-442F-8D15-1AB216611B95}" type="datetimeFigureOut">
               <a:rPr lang="zh-TW" altLang="en-US" smtClean="0"/>
               <a:pPr/>
-              <a:t>2019/2/15</a:t>
+              <a:t>2021/2/20</a:t>
             </a:fld>
             <a:endParaRPr lang="zh-TW" altLang="en-US"/>
           </a:p>
@@ -545,8 +566,8 @@
         </p:nvSpPr>
         <p:spPr>
           <a:xfrm>
-            <a:off x="6629400" y="274638"/>
-            <a:ext cx="2057400" cy="5851525"/>
+            <a:off x="8839200" y="274639"/>
+            <a:ext cx="2743200" cy="5851525"/>
           </a:xfrm>
         </p:spPr>
         <p:txBody>
@@ -573,8 +594,8 @@
         </p:nvSpPr>
         <p:spPr>
           <a:xfrm>
-            <a:off x="457200" y="274638"/>
-            <a:ext cx="6019800" cy="5851525"/>
+            <a:off x="609600" y="274639"/>
+            <a:ext cx="8026400" cy="5851525"/>
           </a:xfrm>
         </p:spPr>
         <p:txBody>
@@ -636,7 +657,7 @@
             <a:fld id="{78CEDD22-5A22-442F-8D15-1AB216611B95}" type="datetimeFigureOut">
               <a:rPr lang="zh-TW" altLang="en-US" smtClean="0"/>
               <a:pPr/>
-              <a:t>2019/2/15</a:t>
+              <a:t>2021/2/20</a:t>
             </a:fld>
             <a:endParaRPr lang="zh-TW" altLang="en-US"/>
           </a:p>
@@ -803,7 +824,7 @@
             <a:fld id="{78CEDD22-5A22-442F-8D15-1AB216611B95}" type="datetimeFigureOut">
               <a:rPr lang="zh-TW" altLang="en-US" smtClean="0"/>
               <a:pPr/>
-              <a:t>2019/2/15</a:t>
+              <a:t>2021/2/20</a:t>
             </a:fld>
             <a:endParaRPr lang="zh-TW" altLang="en-US"/>
           </a:p>
@@ -889,8 +910,8 @@
         </p:nvSpPr>
         <p:spPr>
           <a:xfrm>
-            <a:off x="722313" y="4406900"/>
-            <a:ext cx="7772400" cy="1362075"/>
+            <a:off x="963084" y="4406901"/>
+            <a:ext cx="10363200" cy="1362075"/>
           </a:xfrm>
         </p:spPr>
         <p:txBody>
@@ -921,8 +942,8 @@
         </p:nvSpPr>
         <p:spPr>
           <a:xfrm>
-            <a:off x="722313" y="2906713"/>
-            <a:ext cx="7772400" cy="1500187"/>
+            <a:off x="963084" y="2906713"/>
+            <a:ext cx="10363200" cy="1500187"/>
           </a:xfrm>
         </p:spPr>
         <p:txBody>
@@ -1046,7 +1067,7 @@
             <a:fld id="{78CEDD22-5A22-442F-8D15-1AB216611B95}" type="datetimeFigureOut">
               <a:rPr lang="zh-TW" altLang="en-US" smtClean="0"/>
               <a:pPr/>
-              <a:t>2019/2/15</a:t>
+              <a:t>2021/2/20</a:t>
             </a:fld>
             <a:endParaRPr lang="zh-TW" altLang="en-US"/>
           </a:p>
@@ -1155,8 +1176,8 @@
         </p:nvSpPr>
         <p:spPr>
           <a:xfrm>
-            <a:off x="457200" y="1600200"/>
-            <a:ext cx="4038600" cy="4525963"/>
+            <a:off x="609600" y="1600201"/>
+            <a:ext cx="5384800" cy="4525963"/>
           </a:xfrm>
         </p:spPr>
         <p:txBody>
@@ -1240,8 +1261,8 @@
         </p:nvSpPr>
         <p:spPr>
           <a:xfrm>
-            <a:off x="4648200" y="1600200"/>
-            <a:ext cx="4038600" cy="4525963"/>
+            <a:off x="6197600" y="1600201"/>
+            <a:ext cx="5384800" cy="4525963"/>
           </a:xfrm>
         </p:spPr>
         <p:txBody>
@@ -1331,7 +1352,7 @@
             <a:fld id="{78CEDD22-5A22-442F-8D15-1AB216611B95}" type="datetimeFigureOut">
               <a:rPr lang="zh-TW" altLang="en-US" smtClean="0"/>
               <a:pPr/>
-              <a:t>2019/2/15</a:t>
+              <a:t>2021/2/20</a:t>
             </a:fld>
             <a:endParaRPr lang="zh-TW" altLang="en-US"/>
           </a:p>
@@ -1444,8 +1465,8 @@
         </p:nvSpPr>
         <p:spPr>
           <a:xfrm>
-            <a:off x="457200" y="1535113"/>
-            <a:ext cx="4040188" cy="639762"/>
+            <a:off x="609600" y="1535113"/>
+            <a:ext cx="5386917" cy="639762"/>
           </a:xfrm>
         </p:spPr>
         <p:txBody>
@@ -1509,8 +1530,8 @@
         </p:nvSpPr>
         <p:spPr>
           <a:xfrm>
-            <a:off x="457200" y="2174875"/>
-            <a:ext cx="4040188" cy="3951288"/>
+            <a:off x="609600" y="2174875"/>
+            <a:ext cx="5386917" cy="3951288"/>
           </a:xfrm>
         </p:spPr>
         <p:txBody>
@@ -1594,8 +1615,8 @@
         </p:nvSpPr>
         <p:spPr>
           <a:xfrm>
-            <a:off x="4645025" y="1535113"/>
-            <a:ext cx="4041775" cy="639762"/>
+            <a:off x="6193368" y="1535113"/>
+            <a:ext cx="5389033" cy="639762"/>
           </a:xfrm>
         </p:spPr>
         <p:txBody>
@@ -1659,8 +1680,8 @@
         </p:nvSpPr>
         <p:spPr>
           <a:xfrm>
-            <a:off x="4645025" y="2174875"/>
-            <a:ext cx="4041775" cy="3951288"/>
+            <a:off x="6193368" y="2174875"/>
+            <a:ext cx="5389033" cy="3951288"/>
           </a:xfrm>
         </p:spPr>
         <p:txBody>
@@ -1750,7 +1771,7 @@
             <a:fld id="{78CEDD22-5A22-442F-8D15-1AB216611B95}" type="datetimeFigureOut">
               <a:rPr lang="zh-TW" altLang="en-US" smtClean="0"/>
               <a:pPr/>
-              <a:t>2019/2/15</a:t>
+              <a:t>2021/2/20</a:t>
             </a:fld>
             <a:endParaRPr lang="zh-TW" altLang="en-US"/>
           </a:p>
@@ -1865,7 +1886,7 @@
             <a:fld id="{78CEDD22-5A22-442F-8D15-1AB216611B95}" type="datetimeFigureOut">
               <a:rPr lang="zh-TW" altLang="en-US" smtClean="0"/>
               <a:pPr/>
-              <a:t>2019/2/15</a:t>
+              <a:t>2021/2/20</a:t>
             </a:fld>
             <a:endParaRPr lang="zh-TW" altLang="en-US"/>
           </a:p>
@@ -1957,7 +1978,7 @@
             <a:fld id="{78CEDD22-5A22-442F-8D15-1AB216611B95}" type="datetimeFigureOut">
               <a:rPr lang="zh-TW" altLang="en-US" smtClean="0"/>
               <a:pPr/>
-              <a:t>2019/2/15</a:t>
+              <a:t>2021/2/20</a:t>
             </a:fld>
             <a:endParaRPr lang="zh-TW" altLang="en-US"/>
           </a:p>
@@ -2043,8 +2064,8 @@
         </p:nvSpPr>
         <p:spPr>
           <a:xfrm>
-            <a:off x="457200" y="273050"/>
-            <a:ext cx="3008313" cy="1162050"/>
+            <a:off x="609601" y="273050"/>
+            <a:ext cx="4011084" cy="1162050"/>
           </a:xfrm>
         </p:spPr>
         <p:txBody>
@@ -2075,8 +2096,8 @@
         </p:nvSpPr>
         <p:spPr>
           <a:xfrm>
-            <a:off x="3575050" y="273050"/>
-            <a:ext cx="5111750" cy="5853113"/>
+            <a:off x="4766733" y="273051"/>
+            <a:ext cx="6815667" cy="5853113"/>
           </a:xfrm>
         </p:spPr>
         <p:txBody>
@@ -2160,8 +2181,8 @@
         </p:nvSpPr>
         <p:spPr>
           <a:xfrm>
-            <a:off x="457200" y="1435100"/>
-            <a:ext cx="3008313" cy="4691063"/>
+            <a:off x="609601" y="1435101"/>
+            <a:ext cx="4011084" cy="4691063"/>
           </a:xfrm>
         </p:spPr>
         <p:txBody>
@@ -2231,7 +2252,7 @@
             <a:fld id="{78CEDD22-5A22-442F-8D15-1AB216611B95}" type="datetimeFigureOut">
               <a:rPr lang="zh-TW" altLang="en-US" smtClean="0"/>
               <a:pPr/>
-              <a:t>2019/2/15</a:t>
+              <a:t>2021/2/20</a:t>
             </a:fld>
             <a:endParaRPr lang="zh-TW" altLang="en-US"/>
           </a:p>
@@ -2317,8 +2338,8 @@
         </p:nvSpPr>
         <p:spPr>
           <a:xfrm>
-            <a:off x="1792288" y="4800600"/>
-            <a:ext cx="5486400" cy="566738"/>
+            <a:off x="2389717" y="4800600"/>
+            <a:ext cx="7315200" cy="566738"/>
           </a:xfrm>
         </p:spPr>
         <p:txBody>
@@ -2349,8 +2370,8 @@
         </p:nvSpPr>
         <p:spPr>
           <a:xfrm>
-            <a:off x="1792288" y="612775"/>
-            <a:ext cx="5486400" cy="4114800"/>
+            <a:off x="2389717" y="612775"/>
+            <a:ext cx="7315200" cy="4114800"/>
           </a:xfrm>
         </p:spPr>
         <p:txBody>
@@ -2414,8 +2435,8 @@
         </p:nvSpPr>
         <p:spPr>
           <a:xfrm>
-            <a:off x="1792288" y="5367338"/>
-            <a:ext cx="5486400" cy="804862"/>
+            <a:off x="2389717" y="5367338"/>
+            <a:ext cx="7315200" cy="804862"/>
           </a:xfrm>
         </p:spPr>
         <p:txBody>
@@ -2485,7 +2506,7 @@
             <a:fld id="{78CEDD22-5A22-442F-8D15-1AB216611B95}" type="datetimeFigureOut">
               <a:rPr lang="zh-TW" altLang="en-US" smtClean="0"/>
               <a:pPr/>
-              <a:t>2019/2/15</a:t>
+              <a:t>2021/2/20</a:t>
             </a:fld>
             <a:endParaRPr lang="zh-TW" altLang="en-US"/>
           </a:p>
@@ -2581,8 +2602,8 @@
         </p:nvSpPr>
         <p:spPr>
           <a:xfrm>
-            <a:off x="457200" y="274638"/>
-            <a:ext cx="8229600" cy="1143000"/>
+            <a:off x="609600" y="274638"/>
+            <a:ext cx="10972800" cy="1143000"/>
           </a:xfrm>
           <a:prstGeom prst="rect">
             <a:avLst/>
@@ -2614,8 +2635,8 @@
         </p:nvSpPr>
         <p:spPr>
           <a:xfrm>
-            <a:off x="457200" y="1600200"/>
-            <a:ext cx="8229600" cy="4525963"/>
+            <a:off x="609600" y="1600201"/>
+            <a:ext cx="10972800" cy="4525963"/>
           </a:xfrm>
           <a:prstGeom prst="rect">
             <a:avLst/>
@@ -2676,8 +2697,8 @@
         </p:nvSpPr>
         <p:spPr>
           <a:xfrm>
-            <a:off x="457200" y="6356350"/>
-            <a:ext cx="2133600" cy="365125"/>
+            <a:off x="609600" y="6356351"/>
+            <a:ext cx="2844800" cy="365125"/>
           </a:xfrm>
           <a:prstGeom prst="rect">
             <a:avLst/>
@@ -2700,7 +2721,7 @@
             <a:fld id="{78CEDD22-5A22-442F-8D15-1AB216611B95}" type="datetimeFigureOut">
               <a:rPr lang="zh-TW" altLang="en-US" smtClean="0"/>
               <a:pPr/>
-              <a:t>2019/2/15</a:t>
+              <a:t>2021/2/20</a:t>
             </a:fld>
             <a:endParaRPr lang="zh-TW" altLang="en-US"/>
           </a:p>
@@ -2718,8 +2739,8 @@
         </p:nvSpPr>
         <p:spPr>
           <a:xfrm>
-            <a:off x="3124200" y="6356350"/>
-            <a:ext cx="2895600" cy="365125"/>
+            <a:off x="4165600" y="6356351"/>
+            <a:ext cx="3860800" cy="365125"/>
           </a:xfrm>
           <a:prstGeom prst="rect">
             <a:avLst/>
@@ -2755,8 +2776,8 @@
         </p:nvSpPr>
         <p:spPr>
           <a:xfrm>
-            <a:off x="6553200" y="6356350"/>
-            <a:ext cx="2133600" cy="365125"/>
+            <a:off x="8737600" y="6356351"/>
+            <a:ext cx="2844800" cy="365125"/>
           </a:xfrm>
           <a:prstGeom prst="rect">
             <a:avLst/>
@@ -3073,7 +3094,7 @@
       </p:grpSpPr>
       <p:sp>
         <p:nvSpPr>
-          <p:cNvPr id="2" name="標題 1"/>
+          <p:cNvPr id="4" name="標題 3"/>
           <p:cNvSpPr>
             <a:spLocks noGrp="1"/>
           </p:cNvSpPr>
@@ -3081,230 +3102,65 @@
             <p:ph type="title"/>
           </p:nvPr>
         </p:nvSpPr>
-        <p:spPr/>
-        <p:txBody>
-          <a:bodyPr/>
-          <a:lstStyle/>
-          <a:p>
-            <a:r>
-              <a:rPr lang="zh-TW" altLang="en-US" b="1" dirty="0">
+        <p:spPr>
+          <a:xfrm>
+            <a:off x="0" y="2857513"/>
+            <a:ext cx="12192000" cy="1143000"/>
+          </a:xfrm>
+        </p:spPr>
+        <p:txBody>
+          <a:bodyPr>
+            <a:noAutofit/>
+          </a:bodyPr>
+          <a:lstStyle/>
+          <a:p>
+            <a:r>
+              <a:rPr lang="zh-TW" altLang="en-US" sz="7200" b="1" i="1" dirty="0" smtClean="0">
                 <a:solidFill>
-                  <a:srgbClr val="000066"/>
+                  <a:srgbClr val="660033"/>
                 </a:solidFill>
+                <a:effectLst>
+                  <a:outerShdw blurRad="38100" dist="38100" dir="2700000" algn="tl">
+                    <a:srgbClr val="000000">
+                      <a:alpha val="43137"/>
+                    </a:srgbClr>
+                  </a:outerShdw>
+                </a:effectLst>
                 <a:latin typeface="微軟正黑體" pitchFamily="34" charset="-120"/>
                 <a:ea typeface="微軟正黑體" pitchFamily="34" charset="-120"/>
               </a:rPr>
-              <a:t>愛心春節頌</a:t>
-            </a:r>
-          </a:p>
-        </p:txBody>
-      </p:sp>
-      <p:sp>
-        <p:nvSpPr>
-          <p:cNvPr id="4" name="內容版面配置區 3"/>
-          <p:cNvSpPr>
-            <a:spLocks noGrp="1"/>
-          </p:cNvSpPr>
-          <p:nvPr>
-            <p:ph idx="1"/>
-          </p:nvPr>
-        </p:nvSpPr>
-        <p:spPr>
-          <a:xfrm>
-            <a:off x="457200" y="1714488"/>
-            <a:ext cx="8229600" cy="4411675"/>
-          </a:xfrm>
-        </p:spPr>
-        <p:txBody>
-          <a:bodyPr>
-            <a:normAutofit/>
-          </a:bodyPr>
-          <a:lstStyle/>
-          <a:p>
-            <a:pPr algn="ctr">
-              <a:buNone/>
-            </a:pPr>
-            <a:r>
-              <a:rPr lang="zh-TW" altLang="en-US" sz="5400" b="1" dirty="0">
+              <a:t>愛</a:t>
+            </a:r>
+            <a:r>
+              <a:rPr lang="zh-TW" altLang="en-US" sz="7200" b="1" i="1" dirty="0">
                 <a:solidFill>
-                  <a:srgbClr val="000066"/>
+                  <a:srgbClr val="660033"/>
                 </a:solidFill>
+                <a:effectLst>
+                  <a:outerShdw blurRad="38100" dist="38100" dir="2700000" algn="tl">
+                    <a:srgbClr val="000000">
+                      <a:alpha val="43137"/>
+                    </a:srgbClr>
+                  </a:outerShdw>
+                </a:effectLst>
                 <a:latin typeface="微軟正黑體" pitchFamily="34" charset="-120"/>
                 <a:ea typeface="微軟正黑體" pitchFamily="34" charset="-120"/>
               </a:rPr>
-              <a:t>用心譜出愛的樂</a:t>
-            </a:r>
-            <a:r>
-              <a:rPr lang="zh-TW" altLang="en-US" sz="5400" b="1" dirty="0" smtClean="0">
-                <a:solidFill>
-                  <a:srgbClr val="000066"/>
-                </a:solidFill>
-                <a:latin typeface="微軟正黑體" pitchFamily="34" charset="-120"/>
-                <a:ea typeface="微軟正黑體" pitchFamily="34" charset="-120"/>
-              </a:rPr>
-              <a:t>句</a:t>
-            </a:r>
-            <a:endParaRPr lang="en-US" altLang="zh-TW" sz="5400" b="1" dirty="0" smtClean="0">
-              <a:solidFill>
-                <a:srgbClr val="000066"/>
-              </a:solidFill>
-              <a:latin typeface="微軟正黑體" pitchFamily="34" charset="-120"/>
-              <a:ea typeface="微軟正黑體" pitchFamily="34" charset="-120"/>
-            </a:endParaRPr>
-          </a:p>
-          <a:p>
-            <a:pPr algn="ctr">
-              <a:buNone/>
-            </a:pPr>
-            <a:r>
-              <a:rPr lang="zh-TW" altLang="en-US" sz="5400" b="1" dirty="0" smtClean="0">
-                <a:solidFill>
-                  <a:srgbClr val="000066"/>
-                </a:solidFill>
-                <a:latin typeface="微軟正黑體" pitchFamily="34" charset="-120"/>
-                <a:ea typeface="微軟正黑體" pitchFamily="34" charset="-120"/>
-              </a:rPr>
-              <a:t>願</a:t>
-            </a:r>
-            <a:r>
-              <a:rPr lang="zh-TW" altLang="en-US" sz="5400" b="1" dirty="0" smtClean="0">
-                <a:solidFill>
-                  <a:srgbClr val="000066"/>
-                </a:solidFill>
-                <a:latin typeface="微軟正黑體" pitchFamily="34" charset="-120"/>
-                <a:ea typeface="微軟正黑體" pitchFamily="34" charset="-120"/>
-              </a:rPr>
-              <a:t>將</a:t>
-            </a:r>
-            <a:r>
-              <a:rPr lang="zh-CN" altLang="en-US" sz="5400" b="1" dirty="0" smtClean="0">
-                <a:solidFill>
-                  <a:srgbClr val="000066"/>
-                </a:solidFill>
-                <a:latin typeface="微軟正黑體" pitchFamily="34" charset="-120"/>
-                <a:ea typeface="微軟正黑體" pitchFamily="34" charset="-120"/>
-              </a:rPr>
-              <a:t>歌</a:t>
-            </a:r>
-            <a:r>
-              <a:rPr lang="zh-TW" altLang="en-US" sz="5400" b="1" dirty="0" smtClean="0">
-                <a:solidFill>
-                  <a:srgbClr val="000066"/>
-                </a:solidFill>
-                <a:latin typeface="微軟正黑體" pitchFamily="34" charset="-120"/>
-                <a:ea typeface="微軟正黑體" pitchFamily="34" charset="-120"/>
-              </a:rPr>
-              <a:t>聲</a:t>
-            </a:r>
-            <a:r>
-              <a:rPr lang="zh-TW" altLang="en-US" sz="5400" b="1" dirty="0">
-                <a:solidFill>
-                  <a:srgbClr val="000066"/>
-                </a:solidFill>
-                <a:latin typeface="微軟正黑體" pitchFamily="34" charset="-120"/>
-                <a:ea typeface="微軟正黑體" pitchFamily="34" charset="-120"/>
-              </a:rPr>
-              <a:t>寄意共慶新</a:t>
-            </a:r>
-            <a:r>
-              <a:rPr lang="zh-TW" altLang="en-US" sz="5400" b="1" dirty="0" smtClean="0">
-                <a:solidFill>
-                  <a:srgbClr val="000066"/>
-                </a:solidFill>
-                <a:latin typeface="微軟正黑體" pitchFamily="34" charset="-120"/>
-                <a:ea typeface="微軟正黑體" pitchFamily="34" charset="-120"/>
-              </a:rPr>
-              <a:t>歲</a:t>
-            </a:r>
-            <a:endParaRPr lang="en-US" altLang="zh-TW" sz="5400" b="1" dirty="0">
-              <a:solidFill>
-                <a:srgbClr val="000066"/>
-              </a:solidFill>
-              <a:latin typeface="微軟正黑體" pitchFamily="34" charset="-120"/>
-              <a:ea typeface="微軟正黑體" pitchFamily="34" charset="-120"/>
-            </a:endParaRPr>
-          </a:p>
-          <a:p>
-            <a:pPr algn="ctr">
-              <a:buNone/>
-            </a:pPr>
-            <a:r>
-              <a:rPr lang="zh-TW" altLang="en-US" sz="5400" b="1" dirty="0" smtClean="0">
-                <a:solidFill>
-                  <a:srgbClr val="000066"/>
-                </a:solidFill>
-                <a:latin typeface="微軟正黑體" pitchFamily="34" charset="-120"/>
-                <a:ea typeface="微軟正黑體" pitchFamily="34" charset="-120"/>
-              </a:rPr>
-              <a:t>家家</a:t>
-            </a:r>
-            <a:r>
-              <a:rPr lang="zh-TW" altLang="en-US" sz="5400" b="1" dirty="0">
-                <a:solidFill>
-                  <a:srgbClr val="000066"/>
-                </a:solidFill>
-                <a:latin typeface="微軟正黑體" pitchFamily="34" charset="-120"/>
-                <a:ea typeface="微軟正黑體" pitchFamily="34" charset="-120"/>
-              </a:rPr>
-              <a:t>滿</a:t>
-            </a:r>
-            <a:r>
-              <a:rPr lang="zh-TW" altLang="en-US" sz="5400" b="1" dirty="0" smtClean="0">
-                <a:solidFill>
-                  <a:srgbClr val="000066"/>
-                </a:solidFill>
-                <a:latin typeface="微軟正黑體" pitchFamily="34" charset="-120"/>
-                <a:ea typeface="微軟正黑體" pitchFamily="34" charset="-120"/>
-              </a:rPr>
-              <a:t>樂趣</a:t>
-            </a:r>
-            <a:endParaRPr lang="en-US" altLang="zh-TW" sz="5400" b="1" dirty="0" smtClean="0">
-              <a:solidFill>
-                <a:srgbClr val="000066"/>
-              </a:solidFill>
-              <a:latin typeface="微軟正黑體" pitchFamily="34" charset="-120"/>
-              <a:ea typeface="微軟正黑體" pitchFamily="34" charset="-120"/>
-            </a:endParaRPr>
-          </a:p>
-          <a:p>
-            <a:pPr algn="ctr">
-              <a:buNone/>
-            </a:pPr>
-            <a:r>
-              <a:rPr lang="zh-TW" altLang="en-US" sz="5400" b="1" dirty="0" smtClean="0">
-                <a:solidFill>
-                  <a:srgbClr val="000066"/>
-                </a:solidFill>
-                <a:latin typeface="微軟正黑體" pitchFamily="34" charset="-120"/>
-                <a:ea typeface="微軟正黑體" pitchFamily="34" charset="-120"/>
-              </a:rPr>
-              <a:t>溫馨</a:t>
-            </a:r>
-            <a:r>
-              <a:rPr lang="zh-TW" altLang="en-US" sz="5400" b="1" dirty="0">
-                <a:solidFill>
-                  <a:srgbClr val="000066"/>
-                </a:solidFill>
-                <a:latin typeface="微軟正黑體" pitchFamily="34" charset="-120"/>
-                <a:ea typeface="微軟正黑體" pitchFamily="34" charset="-120"/>
-              </a:rPr>
-              <a:t>暖意洋溢共歡對</a:t>
+              <a:t>心春節頌</a:t>
             </a:r>
           </a:p>
         </p:txBody>
       </p:sp>
     </p:spTree>
+    <p:extLst>
+      <p:ext uri="{BB962C8B-B14F-4D97-AF65-F5344CB8AC3E}">
+        <p14:creationId xmlns:p14="http://schemas.microsoft.com/office/powerpoint/2010/main" val="2120337730"/>
+      </p:ext>
+    </p:extLst>
   </p:cSld>
   <p:clrMapOvr>
     <a:masterClrMapping/>
   </p:clrMapOvr>
-  <p:timing>
-    <p:tnLst>
-      <p:par>
-        <p:cTn id="1" dur="indefinite" restart="never" nodeType="tmRoot"/>
-      </p:par>
-    </p:tnLst>
-  </p:timing>
 </p:sld>
 </file>
 
@@ -3327,70 +3183,52 @@
       </p:grpSpPr>
       <p:sp>
         <p:nvSpPr>
-          <p:cNvPr id="2" name="標題 1"/>
-          <p:cNvSpPr>
-            <a:spLocks noGrp="1"/>
-          </p:cNvSpPr>
-          <p:nvPr>
-            <p:ph type="title"/>
-          </p:nvPr>
-        </p:nvSpPr>
-        <p:spPr/>
-        <p:txBody>
-          <a:bodyPr/>
-          <a:lstStyle/>
-          <a:p>
-            <a:r>
-              <a:rPr lang="zh-TW" altLang="en-US" b="1" dirty="0">
+          <p:cNvPr id="5" name="內容版面配置區 4"/>
+          <p:cNvSpPr>
+            <a:spLocks noGrp="1"/>
+          </p:cNvSpPr>
+          <p:nvPr>
+            <p:ph idx="1"/>
+          </p:nvPr>
+        </p:nvSpPr>
+        <p:spPr>
+          <a:xfrm>
+            <a:off x="0" y="2084853"/>
+            <a:ext cx="12192000" cy="2404863"/>
+          </a:xfrm>
+        </p:spPr>
+        <p:txBody>
+          <a:bodyPr anchor="ctr">
+            <a:normAutofit/>
+          </a:bodyPr>
+          <a:lstStyle/>
+          <a:p>
+            <a:pPr algn="ctr">
+              <a:buNone/>
+            </a:pPr>
+            <a:r>
+              <a:rPr lang="zh-TW" altLang="en-US" sz="6400" b="1" dirty="0" smtClean="0">
                 <a:solidFill>
-                  <a:srgbClr val="000066"/>
+                  <a:srgbClr val="660033"/>
                 </a:solidFill>
                 <a:latin typeface="微軟正黑體" pitchFamily="34" charset="-120"/>
                 <a:ea typeface="微軟正黑體" pitchFamily="34" charset="-120"/>
               </a:rPr>
-              <a:t>愛心春節頌</a:t>
-            </a:r>
-          </a:p>
-        </p:txBody>
-      </p:sp>
-      <p:sp>
-        <p:nvSpPr>
-          <p:cNvPr id="4" name="內容版面配置區 3"/>
-          <p:cNvSpPr>
-            <a:spLocks noGrp="1"/>
-          </p:cNvSpPr>
-          <p:nvPr>
-            <p:ph idx="1"/>
-          </p:nvPr>
-        </p:nvSpPr>
-        <p:spPr>
-          <a:xfrm>
-            <a:off x="428596" y="1857364"/>
-            <a:ext cx="8229600" cy="4525963"/>
-          </a:xfrm>
-        </p:spPr>
-        <p:txBody>
-          <a:bodyPr>
-            <a:normAutofit/>
-          </a:bodyPr>
-          <a:lstStyle/>
-          <a:p>
-            <a:pPr algn="ctr">
-              <a:buNone/>
-            </a:pPr>
-            <a:r>
-              <a:rPr lang="zh-TW" altLang="en-US" sz="5400" b="1" dirty="0" smtClean="0">
+              <a:t>用</a:t>
+            </a:r>
+            <a:r>
+              <a:rPr lang="zh-TW" altLang="en-US" sz="6400" b="1" dirty="0">
                 <a:solidFill>
-                  <a:srgbClr val="000066"/>
+                  <a:srgbClr val="660033"/>
                 </a:solidFill>
                 <a:latin typeface="微軟正黑體" pitchFamily="34" charset="-120"/>
                 <a:ea typeface="微軟正黑體" pitchFamily="34" charset="-120"/>
               </a:rPr>
-              <a:t>身心康健  平安共喜樂</a:t>
-            </a:r>
-            <a:endParaRPr lang="en-US" altLang="zh-TW" sz="5400" b="1" dirty="0" smtClean="0">
+              <a:t>心譜出愛的樂句</a:t>
+            </a:r>
+            <a:endParaRPr lang="en-US" altLang="zh-TW" sz="6400" b="1" dirty="0">
               <a:solidFill>
-                <a:srgbClr val="000066"/>
+                <a:srgbClr val="660033"/>
               </a:solidFill>
               <a:latin typeface="微軟正黑體" pitchFamily="34" charset="-120"/>
               <a:ea typeface="微軟正黑體" pitchFamily="34" charset="-120"/>
@@ -3401,74 +3239,55 @@
               <a:buNone/>
             </a:pPr>
             <a:r>
-              <a:rPr lang="zh-TW" altLang="en-US" sz="5400" b="1" dirty="0" smtClean="0">
+              <a:rPr lang="zh-TW" altLang="en-US" sz="6400" b="1" dirty="0">
                 <a:solidFill>
-                  <a:srgbClr val="000066"/>
+                  <a:srgbClr val="660033"/>
                 </a:solidFill>
                 <a:latin typeface="微軟正黑體" pitchFamily="34" charset="-120"/>
                 <a:ea typeface="微軟正黑體" pitchFamily="34" charset="-120"/>
               </a:rPr>
-              <a:t>在這新春裡伴你添一歲</a:t>
-            </a:r>
-            <a:endParaRPr lang="en-US" altLang="zh-TW" sz="5400" b="1" dirty="0" smtClean="0">
+              <a:t>願將</a:t>
+            </a:r>
+            <a:r>
+              <a:rPr lang="zh-CN" altLang="en-US" sz="6400" b="1" dirty="0">
+                <a:solidFill>
+                  <a:srgbClr val="660033"/>
+                </a:solidFill>
+                <a:latin typeface="微軟正黑體" pitchFamily="34" charset="-120"/>
+                <a:ea typeface="微軟正黑體" pitchFamily="34" charset="-120"/>
+              </a:rPr>
+              <a:t>歌</a:t>
+            </a:r>
+            <a:r>
+              <a:rPr lang="zh-TW" altLang="en-US" sz="6400" b="1" dirty="0">
+                <a:solidFill>
+                  <a:srgbClr val="660033"/>
+                </a:solidFill>
+                <a:latin typeface="微軟正黑體" pitchFamily="34" charset="-120"/>
+                <a:ea typeface="微軟正黑體" pitchFamily="34" charset="-120"/>
+              </a:rPr>
+              <a:t>聲寄意共慶新歲</a:t>
+            </a:r>
+            <a:endParaRPr lang="en-US" altLang="zh-TW" sz="6400" b="1" dirty="0">
               <a:solidFill>
-                <a:srgbClr val="000066"/>
+                <a:srgbClr val="660033"/>
               </a:solidFill>
               <a:latin typeface="微軟正黑體" pitchFamily="34" charset="-120"/>
               <a:ea typeface="微軟正黑體" pitchFamily="34" charset="-120"/>
             </a:endParaRPr>
           </a:p>
-          <a:p>
-            <a:pPr algn="ctr">
-              <a:buNone/>
-            </a:pPr>
-            <a:r>
-              <a:rPr lang="zh-TW" altLang="en-US" sz="5400" b="1" dirty="0" smtClean="0">
-                <a:solidFill>
-                  <a:srgbClr val="000066"/>
-                </a:solidFill>
-                <a:latin typeface="微軟正黑體" pitchFamily="34" charset="-120"/>
-                <a:ea typeface="微軟正黑體" pitchFamily="34" charset="-120"/>
-              </a:rPr>
-              <a:t>感銘神大恩永伴隨</a:t>
-            </a:r>
-            <a:endParaRPr lang="en-US" altLang="zh-TW" sz="5400" b="1" dirty="0" smtClean="0">
-              <a:solidFill>
-                <a:srgbClr val="000066"/>
-              </a:solidFill>
-              <a:latin typeface="微軟正黑體" pitchFamily="34" charset="-120"/>
-              <a:ea typeface="微軟正黑體" pitchFamily="34" charset="-120"/>
-            </a:endParaRPr>
-          </a:p>
-          <a:p>
-            <a:pPr algn="ctr">
-              <a:buNone/>
-            </a:pPr>
-            <a:r>
-              <a:rPr lang="zh-TW" altLang="en-US" sz="5400" b="1" dirty="0" smtClean="0">
-                <a:solidFill>
-                  <a:srgbClr val="000066"/>
-                </a:solidFill>
-                <a:latin typeface="微軟正黑體" pitchFamily="34" charset="-120"/>
-                <a:ea typeface="微軟正黑體" pitchFamily="34" charset="-120"/>
-              </a:rPr>
-              <a:t>願每一天裡為你添生趣</a:t>
-            </a:r>
-          </a:p>
         </p:txBody>
       </p:sp>
     </p:spTree>
+    <p:extLst>
+      <p:ext uri="{BB962C8B-B14F-4D97-AF65-F5344CB8AC3E}">
+        <p14:creationId xmlns:p14="http://schemas.microsoft.com/office/powerpoint/2010/main" val="3603442446"/>
+      </p:ext>
+    </p:extLst>
   </p:cSld>
   <p:clrMapOvr>
     <a:masterClrMapping/>
   </p:clrMapOvr>
-  <p:timing>
-    <p:tnLst>
-      <p:par>
-        <p:cTn id="1" dur="indefinite" restart="never" nodeType="tmRoot"/>
-      </p:par>
-    </p:tnLst>
-  </p:timing>
 </p:sld>
 </file>
 
@@ -3491,168 +3310,74 @@
       </p:grpSpPr>
       <p:sp>
         <p:nvSpPr>
-          <p:cNvPr id="2" name="標題 1"/>
-          <p:cNvSpPr>
-            <a:spLocks noGrp="1"/>
-          </p:cNvSpPr>
-          <p:nvPr>
-            <p:ph type="title"/>
-          </p:nvPr>
-        </p:nvSpPr>
-        <p:spPr/>
-        <p:txBody>
-          <a:bodyPr/>
-          <a:lstStyle/>
-          <a:p>
-            <a:r>
-              <a:rPr lang="zh-TW" altLang="en-US" b="1" dirty="0">
+          <p:cNvPr id="5" name="內容版面配置區 4"/>
+          <p:cNvSpPr>
+            <a:spLocks noGrp="1"/>
+          </p:cNvSpPr>
+          <p:nvPr>
+            <p:ph idx="1"/>
+          </p:nvPr>
+        </p:nvSpPr>
+        <p:spPr>
+          <a:xfrm>
+            <a:off x="0" y="2084853"/>
+            <a:ext cx="12192000" cy="2404863"/>
+          </a:xfrm>
+        </p:spPr>
+        <p:txBody>
+          <a:bodyPr anchor="ctr">
+            <a:normAutofit/>
+          </a:bodyPr>
+          <a:lstStyle/>
+          <a:p>
+            <a:pPr algn="ctr">
+              <a:buNone/>
+            </a:pPr>
+            <a:r>
+              <a:rPr lang="zh-TW" altLang="en-US" sz="6400" b="1" dirty="0">
                 <a:solidFill>
-                  <a:srgbClr val="000066"/>
+                  <a:srgbClr val="660033"/>
                 </a:solidFill>
                 <a:latin typeface="微軟正黑體" pitchFamily="34" charset="-120"/>
                 <a:ea typeface="微軟正黑體" pitchFamily="34" charset="-120"/>
               </a:rPr>
-              <a:t>愛心春節頌</a:t>
-            </a:r>
-          </a:p>
-        </p:txBody>
-      </p:sp>
-      <p:sp>
-        <p:nvSpPr>
-          <p:cNvPr id="4" name="內容版面配置區 3"/>
-          <p:cNvSpPr>
-            <a:spLocks noGrp="1"/>
-          </p:cNvSpPr>
-          <p:nvPr>
-            <p:ph idx="1"/>
-          </p:nvPr>
-        </p:nvSpPr>
-        <p:spPr>
-          <a:xfrm>
-            <a:off x="0" y="1928802"/>
-            <a:ext cx="9144000" cy="4197361"/>
-          </a:xfrm>
-        </p:spPr>
-        <p:txBody>
-          <a:bodyPr>
-            <a:normAutofit/>
-          </a:bodyPr>
-          <a:lstStyle/>
+              <a:t>家家滿樂趣</a:t>
+            </a:r>
+            <a:endParaRPr lang="en-US" altLang="zh-TW" sz="6400" b="1" dirty="0">
+              <a:solidFill>
+                <a:srgbClr val="660033"/>
+              </a:solidFill>
+              <a:latin typeface="微軟正黑體" pitchFamily="34" charset="-120"/>
+              <a:ea typeface="微軟正黑體" pitchFamily="34" charset="-120"/>
+            </a:endParaRPr>
+          </a:p>
           <a:p>
             <a:pPr algn="ctr">
               <a:buNone/>
             </a:pPr>
             <a:r>
-              <a:rPr lang="zh-TW" altLang="en-US" sz="5400" b="1" dirty="0" smtClean="0">
+              <a:rPr lang="zh-TW" altLang="en-US" sz="6400" b="1" dirty="0">
                 <a:solidFill>
-                  <a:srgbClr val="000066"/>
+                  <a:srgbClr val="660033"/>
                 </a:solidFill>
                 <a:latin typeface="微軟正黑體" pitchFamily="34" charset="-120"/>
                 <a:ea typeface="微軟正黑體" pitchFamily="34" charset="-120"/>
               </a:rPr>
-              <a:t>親友歡聚  祝賀聲永伴隨</a:t>
-            </a:r>
-            <a:endParaRPr lang="en-US" altLang="zh-TW" sz="5400" b="1" dirty="0" smtClean="0">
-              <a:solidFill>
-                <a:srgbClr val="000066"/>
-              </a:solidFill>
-              <a:latin typeface="微軟正黑體" pitchFamily="34" charset="-120"/>
-              <a:ea typeface="微軟正黑體" pitchFamily="34" charset="-120"/>
-            </a:endParaRPr>
-          </a:p>
-          <a:p>
-            <a:pPr algn="ctr">
-              <a:buNone/>
-            </a:pPr>
-            <a:r>
-              <a:rPr lang="zh-TW" altLang="en-US" sz="5400" b="1" dirty="0" smtClean="0">
-                <a:solidFill>
-                  <a:srgbClr val="000066"/>
-                </a:solidFill>
-                <a:latin typeface="微軟正黑體" pitchFamily="34" charset="-120"/>
-                <a:ea typeface="微軟正黑體" pitchFamily="34" charset="-120"/>
-              </a:rPr>
-              <a:t>主愛長伴隨</a:t>
-            </a:r>
-            <a:endParaRPr lang="en-US" altLang="zh-TW" sz="5400" b="1" dirty="0" smtClean="0">
-              <a:solidFill>
-                <a:srgbClr val="000066"/>
-              </a:solidFill>
-              <a:latin typeface="微軟正黑體" pitchFamily="34" charset="-120"/>
-              <a:ea typeface="微軟正黑體" pitchFamily="34" charset="-120"/>
-            </a:endParaRPr>
-          </a:p>
-          <a:p>
-            <a:pPr algn="ctr">
-              <a:buNone/>
-            </a:pPr>
-            <a:r>
-              <a:rPr lang="zh-TW" altLang="en-US" sz="5400" b="1" dirty="0" smtClean="0">
-                <a:solidFill>
-                  <a:srgbClr val="000066"/>
-                </a:solidFill>
-                <a:latin typeface="微軟正黑體" pitchFamily="34" charset="-120"/>
-                <a:ea typeface="微軟正黑體" pitchFamily="34" charset="-120"/>
-              </a:rPr>
-              <a:t>深願主恩主愛  數算復記取</a:t>
-            </a:r>
-            <a:endParaRPr lang="en-US" altLang="zh-TW" sz="5400" b="1" dirty="0" smtClean="0">
-              <a:solidFill>
-                <a:srgbClr val="000066"/>
-              </a:solidFill>
-              <a:latin typeface="微軟正黑體" pitchFamily="34" charset="-120"/>
-              <a:ea typeface="微軟正黑體" pitchFamily="34" charset="-120"/>
-            </a:endParaRPr>
-          </a:p>
-          <a:p>
-            <a:pPr algn="ctr">
-              <a:buNone/>
-            </a:pPr>
-            <a:r>
-              <a:rPr lang="zh-TW" altLang="en-US" sz="5400" b="1" dirty="0" smtClean="0">
-                <a:solidFill>
-                  <a:srgbClr val="000066"/>
-                </a:solidFill>
-                <a:latin typeface="微軟正黑體" pitchFamily="34" charset="-120"/>
-                <a:ea typeface="微軟正黑體" pitchFamily="34" charset="-120"/>
-              </a:rPr>
-              <a:t>愛心凝聚  凝聚</a:t>
-            </a:r>
-            <a:r>
-              <a:rPr lang="en-US" altLang="zh-TW" sz="5400" b="1" dirty="0" smtClean="0">
-                <a:solidFill>
-                  <a:srgbClr val="000066"/>
-                </a:solidFill>
-                <a:latin typeface="微軟正黑體" pitchFamily="34" charset="-120"/>
-                <a:ea typeface="微軟正黑體" pitchFamily="34" charset="-120"/>
-              </a:rPr>
-              <a:t>  </a:t>
-            </a:r>
-            <a:r>
-              <a:rPr lang="zh-TW" altLang="en-US" sz="5400" b="1" dirty="0" smtClean="0">
-                <a:solidFill>
-                  <a:srgbClr val="000066"/>
-                </a:solidFill>
-                <a:latin typeface="微軟正黑體" pitchFamily="34" charset="-120"/>
-                <a:ea typeface="微軟正黑體" pitchFamily="34" charset="-120"/>
-              </a:rPr>
-              <a:t>愁共怨沖洗去</a:t>
+              <a:t>溫馨暖意洋溢共歡對</a:t>
             </a:r>
           </a:p>
         </p:txBody>
       </p:sp>
     </p:spTree>
+    <p:extLst>
+      <p:ext uri="{BB962C8B-B14F-4D97-AF65-F5344CB8AC3E}">
+        <p14:creationId xmlns:p14="http://schemas.microsoft.com/office/powerpoint/2010/main" val="1363991025"/>
+      </p:ext>
+    </p:extLst>
   </p:cSld>
   <p:clrMapOvr>
     <a:masterClrMapping/>
   </p:clrMapOvr>
-  <p:timing>
-    <p:tnLst>
-      <p:par>
-        <p:cTn id="1" dur="indefinite" restart="never" nodeType="tmRoot"/>
-      </p:par>
-    </p:tnLst>
-  </p:timing>
 </p:sld>
 </file>
 
@@ -3675,35 +3400,104 @@
       </p:grpSpPr>
       <p:sp>
         <p:nvSpPr>
-          <p:cNvPr id="2" name="標題 1"/>
-          <p:cNvSpPr>
-            <a:spLocks noGrp="1"/>
-          </p:cNvSpPr>
-          <p:nvPr>
-            <p:ph type="title"/>
-          </p:nvPr>
-        </p:nvSpPr>
-        <p:spPr/>
-        <p:txBody>
-          <a:bodyPr/>
-          <a:lstStyle/>
-          <a:p>
-            <a:r>
-              <a:rPr lang="zh-TW" altLang="en-US" b="1" dirty="0">
+          <p:cNvPr id="5" name="內容版面配置區 4"/>
+          <p:cNvSpPr>
+            <a:spLocks noGrp="1"/>
+          </p:cNvSpPr>
+          <p:nvPr>
+            <p:ph idx="1"/>
+          </p:nvPr>
+        </p:nvSpPr>
+        <p:spPr>
+          <a:xfrm>
+            <a:off x="0" y="2084853"/>
+            <a:ext cx="12192000" cy="2404863"/>
+          </a:xfrm>
+        </p:spPr>
+        <p:txBody>
+          <a:bodyPr anchor="ctr">
+            <a:normAutofit/>
+          </a:bodyPr>
+          <a:lstStyle/>
+          <a:p>
+            <a:pPr algn="ctr">
+              <a:buNone/>
+            </a:pPr>
+            <a:r>
+              <a:rPr lang="zh-TW" altLang="en-US" sz="6400" b="1" dirty="0">
                 <a:solidFill>
-                  <a:srgbClr val="000066"/>
+                  <a:srgbClr val="660033"/>
                 </a:solidFill>
                 <a:latin typeface="微軟正黑體" pitchFamily="34" charset="-120"/>
                 <a:ea typeface="微軟正黑體" pitchFamily="34" charset="-120"/>
               </a:rPr>
-              <a:t>愛心春節頌</a:t>
-            </a:r>
-          </a:p>
-        </p:txBody>
-      </p:sp>
-      <p:sp>
-        <p:nvSpPr>
-          <p:cNvPr id="4" name="內容版面配置區 3"/>
+              <a:t>身心康健  平安共喜樂</a:t>
+            </a:r>
+            <a:endParaRPr lang="en-US" altLang="zh-TW" sz="6400" b="1" dirty="0">
+              <a:solidFill>
+                <a:srgbClr val="660033"/>
+              </a:solidFill>
+              <a:latin typeface="微軟正黑體" pitchFamily="34" charset="-120"/>
+              <a:ea typeface="微軟正黑體" pitchFamily="34" charset="-120"/>
+            </a:endParaRPr>
+          </a:p>
+          <a:p>
+            <a:pPr algn="ctr">
+              <a:buNone/>
+            </a:pPr>
+            <a:r>
+              <a:rPr lang="zh-TW" altLang="en-US" sz="6400" b="1" dirty="0">
+                <a:solidFill>
+                  <a:srgbClr val="660033"/>
+                </a:solidFill>
+                <a:latin typeface="微軟正黑體" pitchFamily="34" charset="-120"/>
+                <a:ea typeface="微軟正黑體" pitchFamily="34" charset="-120"/>
+              </a:rPr>
+              <a:t>在這新春裡伴你添一歲</a:t>
+            </a:r>
+            <a:endParaRPr lang="en-US" altLang="zh-TW" sz="6400" b="1" dirty="0">
+              <a:solidFill>
+                <a:srgbClr val="660033"/>
+              </a:solidFill>
+              <a:latin typeface="微軟正黑體" pitchFamily="34" charset="-120"/>
+              <a:ea typeface="微軟正黑體" pitchFamily="34" charset="-120"/>
+            </a:endParaRPr>
+          </a:p>
+        </p:txBody>
+      </p:sp>
+    </p:spTree>
+    <p:extLst>
+      <p:ext uri="{BB962C8B-B14F-4D97-AF65-F5344CB8AC3E}">
+        <p14:creationId xmlns:p14="http://schemas.microsoft.com/office/powerpoint/2010/main" val="2843704827"/>
+      </p:ext>
+    </p:extLst>
+  </p:cSld>
+  <p:clrMapOvr>
+    <a:masterClrMapping/>
+  </p:clrMapOvr>
+</p:sld>
+</file>
+
+<file path=ppt/slides/slide5.xml><?xml version="1.0" encoding="utf-8"?>
+<p:sld xmlns:a="http://schemas.openxmlformats.org/drawingml/2006/main" xmlns:r="http://schemas.openxmlformats.org/officeDocument/2006/relationships" xmlns:p="http://schemas.openxmlformats.org/presentationml/2006/main">
+  <p:cSld>
+    <p:spTree>
+      <p:nvGrpSpPr>
+        <p:cNvPr id="1" name=""/>
+        <p:cNvGrpSpPr/>
+        <p:nvPr/>
+      </p:nvGrpSpPr>
+      <p:grpSpPr>
+        <a:xfrm>
+          <a:off x="0" y="0"/>
+          <a:ext cx="0" cy="0"/>
+          <a:chOff x="0" y="0"/>
+          <a:chExt cx="0" cy="0"/>
+        </a:xfrm>
+      </p:grpSpPr>
+      <p:sp>
+        <p:nvSpPr>
+          <p:cNvPr id="5" name="內容版面配置區 4"/>
           <p:cNvSpPr>
             <a:spLocks noGrp="1"/>
           </p:cNvSpPr>
@@ -3713,12 +3507,12 @@
         </p:nvSpPr>
         <p:spPr>
           <a:xfrm>
-            <a:off x="0" y="2357430"/>
-            <a:ext cx="9144000" cy="3768733"/>
+            <a:off x="0" y="2084853"/>
+            <a:ext cx="12192000" cy="2404863"/>
           </a:xfrm>
         </p:spPr>
         <p:txBody>
-          <a:bodyPr>
+          <a:bodyPr anchor="ctr">
             <a:normAutofit/>
           </a:bodyPr>
           <a:lstStyle/>
@@ -3727,18 +3521,315 @@
               <a:buNone/>
             </a:pPr>
             <a:r>
-              <a:rPr lang="zh-TW" altLang="en-US" sz="5400" b="1" dirty="0" smtClean="0">
+              <a:rPr lang="zh-TW" altLang="en-US" sz="6400" b="1" dirty="0">
                 <a:solidFill>
-                  <a:srgbClr val="000066"/>
+                  <a:srgbClr val="660033"/>
+                </a:solidFill>
+                <a:latin typeface="微軟正黑體" pitchFamily="34" charset="-120"/>
+                <a:ea typeface="微軟正黑體" pitchFamily="34" charset="-120"/>
+              </a:rPr>
+              <a:t>感銘神大恩永伴隨</a:t>
+            </a:r>
+            <a:endParaRPr lang="en-US" altLang="zh-TW" sz="6400" b="1" dirty="0">
+              <a:solidFill>
+                <a:srgbClr val="660033"/>
+              </a:solidFill>
+              <a:latin typeface="微軟正黑體" pitchFamily="34" charset="-120"/>
+              <a:ea typeface="微軟正黑體" pitchFamily="34" charset="-120"/>
+            </a:endParaRPr>
+          </a:p>
+          <a:p>
+            <a:pPr algn="ctr">
+              <a:buNone/>
+            </a:pPr>
+            <a:r>
+              <a:rPr lang="zh-TW" altLang="en-US" sz="6400" b="1" dirty="0">
+                <a:solidFill>
+                  <a:srgbClr val="660033"/>
+                </a:solidFill>
+                <a:latin typeface="微軟正黑體" pitchFamily="34" charset="-120"/>
+                <a:ea typeface="微軟正黑體" pitchFamily="34" charset="-120"/>
+              </a:rPr>
+              <a:t>願每一天裡為你添生趣</a:t>
+            </a:r>
+          </a:p>
+        </p:txBody>
+      </p:sp>
+    </p:spTree>
+    <p:extLst>
+      <p:ext uri="{BB962C8B-B14F-4D97-AF65-F5344CB8AC3E}">
+        <p14:creationId xmlns:p14="http://schemas.microsoft.com/office/powerpoint/2010/main" val="73407741"/>
+      </p:ext>
+    </p:extLst>
+  </p:cSld>
+  <p:clrMapOvr>
+    <a:masterClrMapping/>
+  </p:clrMapOvr>
+</p:sld>
+</file>
+
+<file path=ppt/slides/slide6.xml><?xml version="1.0" encoding="utf-8"?>
+<p:sld xmlns:a="http://schemas.openxmlformats.org/drawingml/2006/main" xmlns:r="http://schemas.openxmlformats.org/officeDocument/2006/relationships" xmlns:p="http://schemas.openxmlformats.org/presentationml/2006/main">
+  <p:cSld>
+    <p:spTree>
+      <p:nvGrpSpPr>
+        <p:cNvPr id="1" name=""/>
+        <p:cNvGrpSpPr/>
+        <p:nvPr/>
+      </p:nvGrpSpPr>
+      <p:grpSpPr>
+        <a:xfrm>
+          <a:off x="0" y="0"/>
+          <a:ext cx="0" cy="0"/>
+          <a:chOff x="0" y="0"/>
+          <a:chExt cx="0" cy="0"/>
+        </a:xfrm>
+      </p:grpSpPr>
+      <p:sp>
+        <p:nvSpPr>
+          <p:cNvPr id="5" name="內容版面配置區 4"/>
+          <p:cNvSpPr>
+            <a:spLocks noGrp="1"/>
+          </p:cNvSpPr>
+          <p:nvPr>
+            <p:ph idx="1"/>
+          </p:nvPr>
+        </p:nvSpPr>
+        <p:spPr>
+          <a:xfrm>
+            <a:off x="0" y="2084853"/>
+            <a:ext cx="12192000" cy="2404863"/>
+          </a:xfrm>
+        </p:spPr>
+        <p:txBody>
+          <a:bodyPr anchor="ctr">
+            <a:normAutofit/>
+          </a:bodyPr>
+          <a:lstStyle/>
+          <a:p>
+            <a:pPr algn="ctr">
+              <a:buNone/>
+            </a:pPr>
+            <a:r>
+              <a:rPr lang="zh-TW" altLang="en-US" sz="6400" b="1" dirty="0">
+                <a:solidFill>
+                  <a:srgbClr val="660033"/>
+                </a:solidFill>
+                <a:latin typeface="微軟正黑體" pitchFamily="34" charset="-120"/>
+                <a:ea typeface="微軟正黑體" pitchFamily="34" charset="-120"/>
+              </a:rPr>
+              <a:t>親友歡聚  祝賀聲永伴隨</a:t>
+            </a:r>
+            <a:endParaRPr lang="en-US" altLang="zh-TW" sz="6400" b="1" dirty="0">
+              <a:solidFill>
+                <a:srgbClr val="660033"/>
+              </a:solidFill>
+              <a:latin typeface="微軟正黑體" pitchFamily="34" charset="-120"/>
+              <a:ea typeface="微軟正黑體" pitchFamily="34" charset="-120"/>
+            </a:endParaRPr>
+          </a:p>
+          <a:p>
+            <a:pPr algn="ctr">
+              <a:buNone/>
+            </a:pPr>
+            <a:r>
+              <a:rPr lang="zh-TW" altLang="en-US" sz="6400" b="1" dirty="0">
+                <a:solidFill>
+                  <a:srgbClr val="660033"/>
+                </a:solidFill>
+                <a:latin typeface="微軟正黑體" pitchFamily="34" charset="-120"/>
+                <a:ea typeface="微軟正黑體" pitchFamily="34" charset="-120"/>
+              </a:rPr>
+              <a:t>主愛長伴隨</a:t>
+            </a:r>
+            <a:endParaRPr lang="en-US" altLang="zh-TW" sz="6400" b="1" dirty="0">
+              <a:solidFill>
+                <a:srgbClr val="660033"/>
+              </a:solidFill>
+              <a:latin typeface="微軟正黑體" pitchFamily="34" charset="-120"/>
+              <a:ea typeface="微軟正黑體" pitchFamily="34" charset="-120"/>
+            </a:endParaRPr>
+          </a:p>
+        </p:txBody>
+      </p:sp>
+    </p:spTree>
+    <p:extLst>
+      <p:ext uri="{BB962C8B-B14F-4D97-AF65-F5344CB8AC3E}">
+        <p14:creationId xmlns:p14="http://schemas.microsoft.com/office/powerpoint/2010/main" val="1701705333"/>
+      </p:ext>
+    </p:extLst>
+  </p:cSld>
+  <p:clrMapOvr>
+    <a:masterClrMapping/>
+  </p:clrMapOvr>
+</p:sld>
+</file>
+
+<file path=ppt/slides/slide7.xml><?xml version="1.0" encoding="utf-8"?>
+<p:sld xmlns:a="http://schemas.openxmlformats.org/drawingml/2006/main" xmlns:r="http://schemas.openxmlformats.org/officeDocument/2006/relationships" xmlns:p="http://schemas.openxmlformats.org/presentationml/2006/main">
+  <p:cSld>
+    <p:spTree>
+      <p:nvGrpSpPr>
+        <p:cNvPr id="1" name=""/>
+        <p:cNvGrpSpPr/>
+        <p:nvPr/>
+      </p:nvGrpSpPr>
+      <p:grpSpPr>
+        <a:xfrm>
+          <a:off x="0" y="0"/>
+          <a:ext cx="0" cy="0"/>
+          <a:chOff x="0" y="0"/>
+          <a:chExt cx="0" cy="0"/>
+        </a:xfrm>
+      </p:grpSpPr>
+      <p:sp>
+        <p:nvSpPr>
+          <p:cNvPr id="5" name="內容版面配置區 4"/>
+          <p:cNvSpPr>
+            <a:spLocks noGrp="1"/>
+          </p:cNvSpPr>
+          <p:nvPr>
+            <p:ph idx="1"/>
+          </p:nvPr>
+        </p:nvSpPr>
+        <p:spPr>
+          <a:xfrm>
+            <a:off x="0" y="2084853"/>
+            <a:ext cx="12192000" cy="2404863"/>
+          </a:xfrm>
+        </p:spPr>
+        <p:txBody>
+          <a:bodyPr anchor="ctr">
+            <a:normAutofit/>
+          </a:bodyPr>
+          <a:lstStyle/>
+          <a:p>
+            <a:pPr algn="ctr">
+              <a:buNone/>
+            </a:pPr>
+            <a:r>
+              <a:rPr lang="zh-TW" altLang="en-US" sz="6400" b="1" dirty="0">
+                <a:solidFill>
+                  <a:srgbClr val="660033"/>
+                </a:solidFill>
+                <a:latin typeface="微軟正黑體" pitchFamily="34" charset="-120"/>
+                <a:ea typeface="微軟正黑體" pitchFamily="34" charset="-120"/>
+              </a:rPr>
+              <a:t>深願主恩主愛  數算復記取</a:t>
+            </a:r>
+            <a:endParaRPr lang="en-US" altLang="zh-TW" sz="6400" b="1" dirty="0">
+              <a:solidFill>
+                <a:srgbClr val="660033"/>
+              </a:solidFill>
+              <a:latin typeface="微軟正黑體" pitchFamily="34" charset="-120"/>
+              <a:ea typeface="微軟正黑體" pitchFamily="34" charset="-120"/>
+            </a:endParaRPr>
+          </a:p>
+          <a:p>
+            <a:pPr algn="ctr">
+              <a:buNone/>
+            </a:pPr>
+            <a:r>
+              <a:rPr lang="zh-TW" altLang="en-US" sz="6400" b="1" dirty="0">
+                <a:solidFill>
+                  <a:srgbClr val="660033"/>
+                </a:solidFill>
+                <a:latin typeface="微軟正黑體" pitchFamily="34" charset="-120"/>
+                <a:ea typeface="微軟正黑體" pitchFamily="34" charset="-120"/>
+              </a:rPr>
+              <a:t>愛心凝聚  凝聚</a:t>
+            </a:r>
+            <a:r>
+              <a:rPr lang="en-US" altLang="zh-TW" sz="6400" b="1" dirty="0">
+                <a:solidFill>
+                  <a:srgbClr val="660033"/>
+                </a:solidFill>
+                <a:latin typeface="微軟正黑體" pitchFamily="34" charset="-120"/>
+                <a:ea typeface="微軟正黑體" pitchFamily="34" charset="-120"/>
+              </a:rPr>
+              <a:t>  </a:t>
+            </a:r>
+            <a:r>
+              <a:rPr lang="zh-TW" altLang="en-US" sz="6400" b="1" dirty="0">
+                <a:solidFill>
+                  <a:srgbClr val="660033"/>
+                </a:solidFill>
+                <a:latin typeface="微軟正黑體" pitchFamily="34" charset="-120"/>
+                <a:ea typeface="微軟正黑體" pitchFamily="34" charset="-120"/>
+              </a:rPr>
+              <a:t>愁共怨沖洗去</a:t>
+            </a:r>
+          </a:p>
+        </p:txBody>
+      </p:sp>
+    </p:spTree>
+    <p:extLst>
+      <p:ext uri="{BB962C8B-B14F-4D97-AF65-F5344CB8AC3E}">
+        <p14:creationId xmlns:p14="http://schemas.microsoft.com/office/powerpoint/2010/main" val="1721496044"/>
+      </p:ext>
+    </p:extLst>
+  </p:cSld>
+  <p:clrMapOvr>
+    <a:masterClrMapping/>
+  </p:clrMapOvr>
+</p:sld>
+</file>
+
+<file path=ppt/slides/slide8.xml><?xml version="1.0" encoding="utf-8"?>
+<p:sld xmlns:a="http://schemas.openxmlformats.org/drawingml/2006/main" xmlns:r="http://schemas.openxmlformats.org/officeDocument/2006/relationships" xmlns:p="http://schemas.openxmlformats.org/presentationml/2006/main">
+  <p:cSld>
+    <p:spTree>
+      <p:nvGrpSpPr>
+        <p:cNvPr id="1" name=""/>
+        <p:cNvGrpSpPr/>
+        <p:nvPr/>
+      </p:nvGrpSpPr>
+      <p:grpSpPr>
+        <a:xfrm>
+          <a:off x="0" y="0"/>
+          <a:ext cx="0" cy="0"/>
+          <a:chOff x="0" y="0"/>
+          <a:chExt cx="0" cy="0"/>
+        </a:xfrm>
+      </p:grpSpPr>
+      <p:sp>
+        <p:nvSpPr>
+          <p:cNvPr id="5" name="內容版面配置區 4"/>
+          <p:cNvSpPr>
+            <a:spLocks noGrp="1"/>
+          </p:cNvSpPr>
+          <p:nvPr>
+            <p:ph idx="1"/>
+          </p:nvPr>
+        </p:nvSpPr>
+        <p:spPr>
+          <a:xfrm>
+            <a:off x="0" y="2084853"/>
+            <a:ext cx="12192000" cy="2404863"/>
+          </a:xfrm>
+        </p:spPr>
+        <p:txBody>
+          <a:bodyPr anchor="ctr">
+            <a:normAutofit/>
+          </a:bodyPr>
+          <a:lstStyle/>
+          <a:p>
+            <a:pPr algn="ctr">
+              <a:buNone/>
+            </a:pPr>
+            <a:r>
+              <a:rPr lang="zh-TW" altLang="en-US" sz="6400" b="1" dirty="0">
+                <a:solidFill>
+                  <a:srgbClr val="660033"/>
                 </a:solidFill>
                 <a:latin typeface="微軟正黑體" pitchFamily="34" charset="-120"/>
                 <a:ea typeface="微軟正黑體" pitchFamily="34" charset="-120"/>
               </a:rPr>
               <a:t>大家用心編寫愛的樂句</a:t>
             </a:r>
-            <a:endParaRPr lang="en-US" altLang="zh-TW" sz="5400" b="1" dirty="0" smtClean="0">
+            <a:endParaRPr lang="en-US" altLang="zh-TW" sz="6400" b="1" dirty="0">
               <a:solidFill>
-                <a:srgbClr val="000066"/>
+                <a:srgbClr val="660033"/>
               </a:solidFill>
               <a:latin typeface="微軟正黑體" pitchFamily="34" charset="-120"/>
               <a:ea typeface="微軟正黑體" pitchFamily="34" charset="-120"/>
@@ -3749,31 +3840,84 @@
               <a:buNone/>
             </a:pPr>
             <a:r>
-              <a:rPr lang="zh-TW" altLang="en-US" sz="5400" b="1" dirty="0" smtClean="0">
+              <a:rPr lang="zh-TW" altLang="en-US" sz="6400" b="1" dirty="0">
                 <a:solidFill>
-                  <a:srgbClr val="000066"/>
+                  <a:srgbClr val="660033"/>
                 </a:solidFill>
                 <a:latin typeface="微軟正黑體" pitchFamily="34" charset="-120"/>
                 <a:ea typeface="微軟正黑體" pitchFamily="34" charset="-120"/>
               </a:rPr>
               <a:t>盡心傾出每份愛</a:t>
             </a:r>
-            <a:endParaRPr lang="en-US" altLang="zh-TW" sz="5400" b="1" dirty="0" smtClean="0">
+            <a:endParaRPr lang="en-US" altLang="zh-TW" sz="6400" b="1" dirty="0">
               <a:solidFill>
-                <a:srgbClr val="000066"/>
+                <a:srgbClr val="660033"/>
               </a:solidFill>
               <a:latin typeface="微軟正黑體" pitchFamily="34" charset="-120"/>
               <a:ea typeface="微軟正黑體" pitchFamily="34" charset="-120"/>
             </a:endParaRPr>
           </a:p>
+        </p:txBody>
+      </p:sp>
+    </p:spTree>
+    <p:extLst>
+      <p:ext uri="{BB962C8B-B14F-4D97-AF65-F5344CB8AC3E}">
+        <p14:creationId xmlns:p14="http://schemas.microsoft.com/office/powerpoint/2010/main" val="2444989419"/>
+      </p:ext>
+    </p:extLst>
+  </p:cSld>
+  <p:clrMapOvr>
+    <a:masterClrMapping/>
+  </p:clrMapOvr>
+</p:sld>
+</file>
+
+<file path=ppt/slides/slide9.xml><?xml version="1.0" encoding="utf-8"?>
+<p:sld xmlns:a="http://schemas.openxmlformats.org/drawingml/2006/main" xmlns:r="http://schemas.openxmlformats.org/officeDocument/2006/relationships" xmlns:p="http://schemas.openxmlformats.org/presentationml/2006/main">
+  <p:cSld>
+    <p:spTree>
+      <p:nvGrpSpPr>
+        <p:cNvPr id="1" name=""/>
+        <p:cNvGrpSpPr/>
+        <p:nvPr/>
+      </p:nvGrpSpPr>
+      <p:grpSpPr>
+        <a:xfrm>
+          <a:off x="0" y="0"/>
+          <a:ext cx="0" cy="0"/>
+          <a:chOff x="0" y="0"/>
+          <a:chExt cx="0" cy="0"/>
+        </a:xfrm>
+      </p:grpSpPr>
+      <p:sp>
+        <p:nvSpPr>
+          <p:cNvPr id="5" name="內容版面配置區 4"/>
+          <p:cNvSpPr>
+            <a:spLocks noGrp="1"/>
+          </p:cNvSpPr>
+          <p:nvPr>
+            <p:ph idx="1"/>
+          </p:nvPr>
+        </p:nvSpPr>
+        <p:spPr>
+          <a:xfrm>
+            <a:off x="0" y="2084853"/>
+            <a:ext cx="12192000" cy="2404863"/>
+          </a:xfrm>
+        </p:spPr>
+        <p:txBody>
+          <a:bodyPr anchor="ctr">
+            <a:normAutofit/>
+          </a:bodyPr>
+          <a:lstStyle/>
           <a:p>
             <a:pPr algn="ctr">
               <a:buNone/>
             </a:pPr>
             <a:r>
-              <a:rPr lang="zh-TW" altLang="en-US" sz="5400" b="1" dirty="0" smtClean="0">
+              <a:rPr lang="zh-TW" altLang="en-US" sz="6400" b="1" dirty="0">
                 <a:solidFill>
-                  <a:srgbClr val="000066"/>
+                  <a:srgbClr val="660033"/>
                 </a:solidFill>
                 <a:latin typeface="微軟正黑體" pitchFamily="34" charset="-120"/>
                 <a:ea typeface="微軟正黑體" pitchFamily="34" charset="-120"/>
@@ -3784,17 +3928,15 @@
         </p:txBody>
       </p:sp>
     </p:spTree>
+    <p:extLst>
+      <p:ext uri="{BB962C8B-B14F-4D97-AF65-F5344CB8AC3E}">
+        <p14:creationId xmlns:p14="http://schemas.microsoft.com/office/powerpoint/2010/main" val="511250477"/>
+      </p:ext>
+    </p:extLst>
   </p:cSld>
   <p:clrMapOvr>
     <a:masterClrMapping/>
   </p:clrMapOvr>
-  <p:timing>
-    <p:tnLst>
-      <p:par>
-        <p:cTn id="1" dur="indefinite" restart="never" nodeType="tmRoot"/>
-      </p:par>
-    </p:tnLst>
-  </p:timing>
 </p:sld>
 </file>
 
